--- a/docs/presentation.pptx
+++ b/docs/presentation.pptx
@@ -3,16 +3,17 @@
 <p:presentation xmlns:a="http://schemas.openxmlformats.org/drawingml/2006/main" xmlns:p="http://schemas.openxmlformats.org/presentationml/2006/main" xmlns:r="http://schemas.openxmlformats.org/officeDocument/2006/relationships" xmlns:p14="http://schemas.microsoft.com/office/powerpoint/2010/main" xmlns:p15="http://schemas.microsoft.com/office/powerpoint/2012/main" xmlns:mc="http://schemas.openxmlformats.org/markup-compatibility/2006">
   <p:sldMasterIdLst>
     <p:sldMasterId id="2147483648" r:id="rId2"/>
+    <p:sldMasterId id="2147483650" r:id="rId3"/>
   </p:sldMasterIdLst>
   <p:sldIdLst>
-    <p:sldId id="256" r:id="rId3"/>
-    <p:sldId id="257" r:id="rId4"/>
-    <p:sldId id="258" r:id="rId5"/>
-    <p:sldId id="259" r:id="rId6"/>
-    <p:sldId id="260" r:id="rId7"/>
-    <p:sldId id="261" r:id="rId8"/>
-    <p:sldId id="262" r:id="rId9"/>
-    <p:sldId id="263" r:id="rId10"/>
+    <p:sldId id="256" r:id="rId4"/>
+    <p:sldId id="257" r:id="rId5"/>
+    <p:sldId id="258" r:id="rId6"/>
+    <p:sldId id="259" r:id="rId7"/>
+    <p:sldId id="260" r:id="rId8"/>
+    <p:sldId id="261" r:id="rId9"/>
+    <p:sldId id="262" r:id="rId10"/>
+    <p:sldId id="263" r:id="rId11"/>
   </p:sldIdLst>
   <p:sldSz cx="10080625" cy="5670550"/>
   <p:notesSz cx="7772400" cy="10058400"/>
@@ -49,7 +50,7 @@
         <p:spPr>
           <a:xfrm>
             <a:off x="504000" y="226080"/>
-            <a:ext cx="9071640" cy="946440"/>
+            <a:ext cx="9070920" cy="945720"/>
           </a:xfrm>
           <a:prstGeom prst="rect">
             <a:avLst/>
@@ -89,7 +90,7 @@
         <p:spPr>
           <a:xfrm>
             <a:off x="504000" y="1326600"/>
-            <a:ext cx="9071640" cy="3288240"/>
+            <a:ext cx="9070920" cy="3287520"/>
           </a:xfrm>
           <a:prstGeom prst="rect">
             <a:avLst/>
@@ -126,7 +127,7 @@
             <a:spLocks noGrp="1"/>
           </p:cNvSpPr>
           <p:nvPr>
-            <p:ph type="ftr" idx="2"/>
+            <p:ph type="ftr" idx="1"/>
           </p:nvPr>
         </p:nvSpPr>
         <p:spPr/>
@@ -146,14 +147,14 @@
             <a:spLocks noGrp="1"/>
           </p:cNvSpPr>
           <p:nvPr>
-            <p:ph type="sldNum" idx="3"/>
+            <p:ph type="sldNum" idx="2"/>
           </p:nvPr>
         </p:nvSpPr>
         <p:spPr/>
         <p:txBody>
           <a:bodyPr/>
           <a:p>
-            <a:fld id="{1359026E-025D-4280-87E3-06A7B0DE4509}" type="slidenum">
+            <a:fld id="{FADFD661-81B6-431E-A9C9-2402DFDF0D89}" type="slidenum">
               <a:t>&lt;#&gt;</a:t>
             </a:fld>
           </a:p>
@@ -166,7 +167,7 @@
             <a:spLocks noGrp="1"/>
           </p:cNvSpPr>
           <p:nvPr>
-            <p:ph type="dt" idx="1"/>
+            <p:ph type="dt" idx="3"/>
           </p:nvPr>
         </p:nvSpPr>
         <p:spPr/>
@@ -187,7 +188,7 @@
 
 <file path=ppt/slideLayouts/slideLayout2.xml><?xml version="1.0" encoding="utf-8"?>
 <p:sldLayout xmlns:a="http://schemas.openxmlformats.org/drawingml/2006/main" xmlns:p="http://schemas.openxmlformats.org/presentationml/2006/main" xmlns:r="http://schemas.openxmlformats.org/officeDocument/2006/relationships" xmlns:p14="http://schemas.microsoft.com/office/powerpoint/2010/main" xmlns:p15="http://schemas.microsoft.com/office/powerpoint/2012/main" xmlns:mc="http://schemas.openxmlformats.org/markup-compatibility/2006" type="title" preserve="1">
-  <p:cSld name="Default">
+  <p:cSld name="Default 1">
     <p:spTree>
       <p:nvGrpSpPr>
         <p:cNvPr id="1" name=""/>
@@ -204,7 +205,7 @@
       </p:grpSpPr>
       <p:sp>
         <p:nvSpPr>
-          <p:cNvPr id="7" name="PlaceHolder 1"/>
+          <p:cNvPr id="12" name="PlaceHolder 1"/>
           <p:cNvSpPr>
             <a:spLocks noGrp="1"/>
           </p:cNvSpPr>
@@ -215,7 +216,7 @@
         <p:spPr>
           <a:xfrm>
             <a:off x="504000" y="226080"/>
-            <a:ext cx="9071640" cy="946440"/>
+            <a:ext cx="9070920" cy="945720"/>
           </a:xfrm>
           <a:prstGeom prst="rect">
             <a:avLst/>
@@ -244,7 +245,7 @@
       </p:sp>
       <p:sp>
         <p:nvSpPr>
-          <p:cNvPr id="8" name="PlaceHolder 2"/>
+          <p:cNvPr id="13" name="PlaceHolder 2"/>
           <p:cNvSpPr>
             <a:spLocks noGrp="1"/>
           </p:cNvSpPr>
@@ -255,7 +256,7 @@
         <p:spPr>
           <a:xfrm>
             <a:off x="504000" y="1326600"/>
-            <a:ext cx="9071640" cy="3288240"/>
+            <a:ext cx="9070920" cy="3287520"/>
           </a:xfrm>
           <a:prstGeom prst="rect">
             <a:avLst/>
@@ -289,7 +290,7 @@
             <a:spLocks noGrp="1"/>
           </p:cNvSpPr>
           <p:nvPr>
-            <p:ph type="ftr" idx="2"/>
+            <p:ph type="ftr" idx="4"/>
           </p:nvPr>
         </p:nvSpPr>
         <p:spPr/>
@@ -309,14 +310,14 @@
             <a:spLocks noGrp="1"/>
           </p:cNvSpPr>
           <p:nvPr>
-            <p:ph type="sldNum" idx="3"/>
+            <p:ph type="sldNum" idx="5"/>
           </p:nvPr>
         </p:nvSpPr>
         <p:spPr/>
         <p:txBody>
           <a:bodyPr/>
           <a:p>
-            <a:fld id="{2DA96B21-252F-4848-85DA-2FC8F80B4819}" type="slidenum">
+            <a:fld id="{CB0B38B6-B187-49CB-84BC-31C0CE65C2C1}" type="slidenum">
               <a:t>&lt;#&gt;</a:t>
             </a:fld>
           </a:p>
@@ -329,7 +330,7 @@
             <a:spLocks noGrp="1"/>
           </p:cNvSpPr>
           <p:nvPr>
-            <p:ph type="dt" idx="1"/>
+            <p:ph type="dt" idx="6"/>
           </p:nvPr>
         </p:nvSpPr>
         <p:spPr/>
@@ -378,7 +379,7 @@
         <p:spPr>
           <a:xfrm>
             <a:off x="504000" y="226080"/>
-            <a:ext cx="9071640" cy="946440"/>
+            <a:ext cx="9070920" cy="945720"/>
           </a:xfrm>
           <a:prstGeom prst="rect">
             <a:avLst/>
@@ -393,11 +394,11 @@
             <a:noAutofit/>
           </a:bodyPr>
           <a:p>
-            <a:pPr indent="0" algn="ctr">
+            <a:pPr indent="0">
               <a:buNone/>
             </a:pPr>
             <a:r>
-              <a:rPr b="0" lang="en-US" sz="4400" spc="-1" strike="noStrike">
+              <a:rPr b="0" lang="en-US" sz="1800" spc="-1" strike="noStrike">
                 <a:solidFill>
                   <a:srgbClr val="000000"/>
                 </a:solidFill>
@@ -405,7 +406,7 @@
               </a:rPr>
               <a:t>Click to edit the title text format</a:t>
             </a:r>
-            <a:endParaRPr b="0" lang="en-US" sz="4400" spc="-1" strike="noStrike">
+            <a:endParaRPr b="0" lang="en-US" sz="1800" spc="-1" strike="noStrike">
               <a:solidFill>
                 <a:srgbClr val="000000"/>
               </a:solidFill>
@@ -427,7 +428,7 @@
         <p:spPr>
           <a:xfrm>
             <a:off x="504000" y="1326600"/>
-            <a:ext cx="9071640" cy="3288240"/>
+            <a:ext cx="9070920" cy="3287520"/>
           </a:xfrm>
           <a:prstGeom prst="rect">
             <a:avLst/>
@@ -454,7 +455,7 @@
               <a:buChar char=""/>
             </a:pPr>
             <a:r>
-              <a:rPr b="0" lang="en-US" sz="3200" spc="-1" strike="noStrike">
+              <a:rPr b="0" lang="en-US" sz="1800" spc="-1" strike="noStrike">
                 <a:solidFill>
                   <a:srgbClr val="000000"/>
                 </a:solidFill>
@@ -462,7 +463,7 @@
               </a:rPr>
               <a:t>Click to edit the outline text format</a:t>
             </a:r>
-            <a:endParaRPr b="0" lang="en-US" sz="3200" spc="-1" strike="noStrike">
+            <a:endParaRPr b="0" lang="en-US" sz="1800" spc="-1" strike="noStrike">
               <a:solidFill>
                 <a:srgbClr val="000000"/>
               </a:solidFill>
@@ -482,7 +483,7 @@
               <a:buChar char=""/>
             </a:pPr>
             <a:r>
-              <a:rPr b="0" lang="en-US" sz="2800" spc="-1" strike="noStrike">
+              <a:rPr b="0" lang="en-US" sz="1800" spc="-1" strike="noStrike">
                 <a:solidFill>
                   <a:srgbClr val="000000"/>
                 </a:solidFill>
@@ -490,7 +491,7 @@
               </a:rPr>
               <a:t>Second Outline Level</a:t>
             </a:r>
-            <a:endParaRPr b="0" lang="en-US" sz="2800" spc="-1" strike="noStrike">
+            <a:endParaRPr b="0" lang="en-US" sz="1800" spc="-1" strike="noStrike">
               <a:solidFill>
                 <a:srgbClr val="000000"/>
               </a:solidFill>
@@ -510,7 +511,7 @@
               <a:buChar char=""/>
             </a:pPr>
             <a:r>
-              <a:rPr b="0" lang="en-US" sz="2400" spc="-1" strike="noStrike">
+              <a:rPr b="0" lang="en-US" sz="1800" spc="-1" strike="noStrike">
                 <a:solidFill>
                   <a:srgbClr val="000000"/>
                 </a:solidFill>
@@ -518,7 +519,7 @@
               </a:rPr>
               <a:t>Third Outline Level</a:t>
             </a:r>
-            <a:endParaRPr b="0" lang="en-US" sz="2400" spc="-1" strike="noStrike">
+            <a:endParaRPr b="0" lang="en-US" sz="1800" spc="-1" strike="noStrike">
               <a:solidFill>
                 <a:srgbClr val="000000"/>
               </a:solidFill>
@@ -538,7 +539,7 @@
               <a:buChar char=""/>
             </a:pPr>
             <a:r>
-              <a:rPr b="0" lang="en-US" sz="2000" spc="-1" strike="noStrike">
+              <a:rPr b="0" lang="en-US" sz="1800" spc="-1" strike="noStrike">
                 <a:solidFill>
                   <a:srgbClr val="000000"/>
                 </a:solidFill>
@@ -546,7 +547,7 @@
               </a:rPr>
               <a:t>Fourth Outline Level</a:t>
             </a:r>
-            <a:endParaRPr b="0" lang="en-US" sz="2000" spc="-1" strike="noStrike">
+            <a:endParaRPr b="0" lang="en-US" sz="1800" spc="-1" strike="noStrike">
               <a:solidFill>
                 <a:srgbClr val="000000"/>
               </a:solidFill>
@@ -566,7 +567,7 @@
               <a:buChar char=""/>
             </a:pPr>
             <a:r>
-              <a:rPr b="0" lang="en-US" sz="2000" spc="-1" strike="noStrike">
+              <a:rPr b="0" lang="en-US" sz="1800" spc="-1" strike="noStrike">
                 <a:solidFill>
                   <a:srgbClr val="000000"/>
                 </a:solidFill>
@@ -574,7 +575,7 @@
               </a:rPr>
               <a:t>Fifth Outline Level</a:t>
             </a:r>
-            <a:endParaRPr b="0" lang="en-US" sz="2000" spc="-1" strike="noStrike">
+            <a:endParaRPr b="0" lang="en-US" sz="1800" spc="-1" strike="noStrike">
               <a:solidFill>
                 <a:srgbClr val="000000"/>
               </a:solidFill>
@@ -594,7 +595,7 @@
               <a:buChar char=""/>
             </a:pPr>
             <a:r>
-              <a:rPr b="0" lang="en-US" sz="2000" spc="-1" strike="noStrike">
+              <a:rPr b="0" lang="en-US" sz="1800" spc="-1" strike="noStrike">
                 <a:solidFill>
                   <a:srgbClr val="000000"/>
                 </a:solidFill>
@@ -602,7 +603,7 @@
               </a:rPr>
               <a:t>Sixth Outline Level</a:t>
             </a:r>
-            <a:endParaRPr b="0" lang="en-US" sz="2000" spc="-1" strike="noStrike">
+            <a:endParaRPr b="0" lang="en-US" sz="1800" spc="-1" strike="noStrike">
               <a:solidFill>
                 <a:srgbClr val="000000"/>
               </a:solidFill>
@@ -622,7 +623,7 @@
               <a:buChar char=""/>
             </a:pPr>
             <a:r>
-              <a:rPr b="0" lang="en-US" sz="2000" spc="-1" strike="noStrike">
+              <a:rPr b="0" lang="en-US" sz="1800" spc="-1" strike="noStrike">
                 <a:solidFill>
                   <a:srgbClr val="000000"/>
                 </a:solidFill>
@@ -630,7 +631,7 @@
               </a:rPr>
               <a:t>Seventh Outline Level</a:t>
             </a:r>
-            <a:endParaRPr b="0" lang="en-US" sz="2000" spc="-1" strike="noStrike">
+            <a:endParaRPr b="0" lang="en-US" sz="1800" spc="-1" strike="noStrike">
               <a:solidFill>
                 <a:srgbClr val="000000"/>
               </a:solidFill>
@@ -646,13 +647,13 @@
             <a:spLocks noGrp="1"/>
           </p:cNvSpPr>
           <p:nvPr>
-            <p:ph type="dt" idx="1"/>
+            <p:ph type="ftr" idx="1"/>
           </p:nvPr>
         </p:nvSpPr>
         <p:spPr>
           <a:xfrm>
-            <a:off x="504000" y="5165280"/>
-            <a:ext cx="2348280" cy="390600"/>
+            <a:off x="3447360" y="5165280"/>
+            <a:ext cx="3194280" cy="389880"/>
           </a:xfrm>
           <a:prstGeom prst="rect">
             <a:avLst/>
@@ -667,8 +668,14 @@
             <a:noAutofit/>
           </a:bodyPr>
           <a:lstStyle>
-            <a:lvl1pPr indent="0">
+            <a:lvl1pPr indent="0" algn="ctr">
+              <a:lnSpc>
+                <a:spcPct val="100000"/>
+              </a:lnSpc>
               <a:buNone/>
+              <a:tabLst>
+                <a:tab algn="l" pos="0"/>
+              </a:tabLst>
               <a:defRPr b="0" lang="en-US" sz="1400" spc="-1" strike="noStrike">
                 <a:solidFill>
                   <a:srgbClr val="000000"/>
@@ -678,8 +685,14 @@
             </a:lvl1pPr>
           </a:lstStyle>
           <a:p>
-            <a:pPr indent="0">
+            <a:pPr indent="0" algn="ctr">
+              <a:lnSpc>
+                <a:spcPct val="100000"/>
+              </a:lnSpc>
               <a:buNone/>
+              <a:tabLst>
+                <a:tab algn="l" pos="0"/>
+              </a:tabLst>
             </a:pPr>
             <a:r>
               <a:rPr b="0" lang="en-US" sz="1400" spc="-1" strike="noStrike">
@@ -688,7 +701,7 @@
                 </a:solidFill>
                 <a:latin typeface="Times New Roman"/>
               </a:rPr>
-              <a:t>&lt;date/time&gt;</a:t>
+              <a:t>&lt;footer&gt;</a:t>
             </a:r>
             <a:endParaRPr b="0" lang="en-US" sz="1400" spc="-1" strike="noStrike">
               <a:solidFill>
@@ -706,13 +719,13 @@
             <a:spLocks noGrp="1"/>
           </p:cNvSpPr>
           <p:nvPr>
-            <p:ph type="ftr" idx="2"/>
+            <p:ph type="sldNum" idx="2"/>
           </p:nvPr>
         </p:nvSpPr>
         <p:spPr>
           <a:xfrm>
-            <a:off x="3447360" y="5165280"/>
-            <a:ext cx="3195000" cy="390600"/>
+            <a:off x="7227360" y="5165280"/>
+            <a:ext cx="2347560" cy="389880"/>
           </a:xfrm>
           <a:prstGeom prst="rect">
             <a:avLst/>
@@ -727,8 +740,14 @@
             <a:noAutofit/>
           </a:bodyPr>
           <a:lstStyle>
-            <a:lvl1pPr indent="0" algn="ctr">
+            <a:lvl1pPr indent="0" algn="r">
+              <a:lnSpc>
+                <a:spcPct val="100000"/>
+              </a:lnSpc>
               <a:buNone/>
+              <a:tabLst>
+                <a:tab algn="l" pos="0"/>
+              </a:tabLst>
               <a:defRPr b="0" lang="en-US" sz="1400" spc="-1" strike="noStrike">
                 <a:solidFill>
                   <a:srgbClr val="000000"/>
@@ -738,18 +757,24 @@
             </a:lvl1pPr>
           </a:lstStyle>
           <a:p>
-            <a:pPr indent="0" algn="ctr">
+            <a:pPr indent="0" algn="r">
+              <a:lnSpc>
+                <a:spcPct val="100000"/>
+              </a:lnSpc>
               <a:buNone/>
-            </a:pPr>
-            <a:r>
+              <a:tabLst>
+                <a:tab algn="l" pos="0"/>
+              </a:tabLst>
+            </a:pPr>
+            <a:fld id="{643CEDED-73FA-4DA5-842B-531AEF75A239}" type="slidenum">
               <a:rPr b="0" lang="en-US" sz="1400" spc="-1" strike="noStrike">
                 <a:solidFill>
                   <a:srgbClr val="000000"/>
                 </a:solidFill>
                 <a:latin typeface="Times New Roman"/>
               </a:rPr>
-              <a:t>&lt;footer&gt;</a:t>
-            </a:r>
+              <a:t>&lt;number&gt;</a:t>
+            </a:fld>
             <a:endParaRPr b="0" lang="en-US" sz="1400" spc="-1" strike="noStrike">
               <a:solidFill>
                 <a:srgbClr val="000000"/>
@@ -766,13 +791,13 @@
             <a:spLocks noGrp="1"/>
           </p:cNvSpPr>
           <p:nvPr>
-            <p:ph type="sldNum" idx="3"/>
+            <p:ph type="dt" idx="3"/>
           </p:nvPr>
         </p:nvSpPr>
         <p:spPr>
           <a:xfrm>
-            <a:off x="7227360" y="5165280"/>
-            <a:ext cx="2348280" cy="390600"/>
+            <a:off x="504000" y="5165280"/>
+            <a:ext cx="2347560" cy="389880"/>
           </a:xfrm>
           <a:prstGeom prst="rect">
             <a:avLst/>
@@ -787,7 +812,7 @@
             <a:noAutofit/>
           </a:bodyPr>
           <a:lstStyle>
-            <a:lvl1pPr indent="0" algn="r">
+            <a:lvl1pPr indent="0">
               <a:buNone/>
               <a:defRPr b="0" lang="en-US" sz="1400" spc="-1" strike="noStrike">
                 <a:solidFill>
@@ -798,18 +823,18 @@
             </a:lvl1pPr>
           </a:lstStyle>
           <a:p>
-            <a:pPr indent="0" algn="r">
+            <a:pPr indent="0">
               <a:buNone/>
             </a:pPr>
-            <a:fld id="{67B47EB1-4A84-4E5D-8D55-8345FACF4746}" type="slidenum">
+            <a:r>
               <a:rPr b="0" lang="en-US" sz="1400" spc="-1" strike="noStrike">
                 <a:solidFill>
                   <a:srgbClr val="000000"/>
                 </a:solidFill>
                 <a:latin typeface="Times New Roman"/>
               </a:rPr>
-              <a:t>&lt;number&gt;</a:t>
-            </a:fld>
+              <a:t>&lt;date/time&gt;</a:t>
+            </a:r>
             <a:endParaRPr b="0" lang="en-US" sz="1400" spc="-1" strike="noStrike">
               <a:solidFill>
                 <a:srgbClr val="000000"/>
@@ -824,7 +849,510 @@
   <p:clrMap bg1="lt1" bg2="lt2" tx1="dk1" tx2="dk2" accent1="accent1" accent2="accent2" accent3="accent3" accent4="accent4" accent5="accent5" accent6="accent6" hlink="hlink" folHlink="folHlink"/>
   <p:sldLayoutIdLst>
     <p:sldLayoutId id="2147483649" r:id="rId2"/>
-    <p:sldLayoutId id="2147483650" r:id="rId3"/>
+  </p:sldLayoutIdLst>
+</p:sldMaster>
+</file>
+
+<file path=ppt/slideMasters/slideMaster2.xml><?xml version="1.0" encoding="utf-8"?>
+<p:sldMaster xmlns:a="http://schemas.openxmlformats.org/drawingml/2006/main" xmlns:p="http://schemas.openxmlformats.org/presentationml/2006/main" xmlns:r="http://schemas.openxmlformats.org/officeDocument/2006/relationships" xmlns:p14="http://schemas.microsoft.com/office/powerpoint/2010/main" xmlns:p15="http://schemas.microsoft.com/office/powerpoint/2012/main" xmlns:mc="http://schemas.openxmlformats.org/markup-compatibility/2006">
+  <p:cSld>
+    <p:spTree>
+      <p:nvGrpSpPr>
+        <p:cNvPr id="1" name=""/>
+        <p:cNvGrpSpPr/>
+        <p:nvPr/>
+      </p:nvGrpSpPr>
+      <p:grpSpPr>
+        <a:xfrm>
+          <a:off x="0" y="0"/>
+          <a:ext cx="0" cy="0"/>
+          <a:chOff x="0" y="0"/>
+          <a:chExt cx="0" cy="0"/>
+        </a:xfrm>
+      </p:grpSpPr>
+      <p:sp>
+        <p:nvSpPr>
+          <p:cNvPr id="7" name="PlaceHolder 1"/>
+          <p:cNvSpPr>
+            <a:spLocks noGrp="1"/>
+          </p:cNvSpPr>
+          <p:nvPr>
+            <p:ph type="title"/>
+          </p:nvPr>
+        </p:nvSpPr>
+        <p:spPr>
+          <a:xfrm>
+            <a:off x="504000" y="226080"/>
+            <a:ext cx="9070920" cy="945720"/>
+          </a:xfrm>
+          <a:prstGeom prst="rect">
+            <a:avLst/>
+          </a:prstGeom>
+          <a:noFill/>
+          <a:ln w="0">
+            <a:noFill/>
+          </a:ln>
+        </p:spPr>
+        <p:txBody>
+          <a:bodyPr lIns="0" rIns="0" tIns="0" bIns="0" anchor="ctr">
+            <a:noAutofit/>
+          </a:bodyPr>
+          <a:p>
+            <a:pPr indent="0">
+              <a:buNone/>
+            </a:pPr>
+            <a:r>
+              <a:rPr b="0" lang="en-US" sz="1800" spc="-1" strike="noStrike">
+                <a:solidFill>
+                  <a:srgbClr val="000000"/>
+                </a:solidFill>
+                <a:latin typeface="Arial"/>
+              </a:rPr>
+              <a:t>Click to edit the title text format</a:t>
+            </a:r>
+            <a:endParaRPr b="0" lang="en-US" sz="1800" spc="-1" strike="noStrike">
+              <a:solidFill>
+                <a:srgbClr val="000000"/>
+              </a:solidFill>
+              <a:latin typeface="Arial"/>
+            </a:endParaRPr>
+          </a:p>
+        </p:txBody>
+      </p:sp>
+      <p:sp>
+        <p:nvSpPr>
+          <p:cNvPr id="8" name="PlaceHolder 2"/>
+          <p:cNvSpPr>
+            <a:spLocks noGrp="1"/>
+          </p:cNvSpPr>
+          <p:nvPr>
+            <p:ph type="ftr" idx="4"/>
+          </p:nvPr>
+        </p:nvSpPr>
+        <p:spPr>
+          <a:xfrm>
+            <a:off x="3447360" y="5165280"/>
+            <a:ext cx="3194280" cy="389880"/>
+          </a:xfrm>
+          <a:prstGeom prst="rect">
+            <a:avLst/>
+          </a:prstGeom>
+          <a:noFill/>
+          <a:ln w="0">
+            <a:noFill/>
+          </a:ln>
+        </p:spPr>
+        <p:txBody>
+          <a:bodyPr lIns="0" rIns="0" tIns="0" bIns="0" anchor="t">
+            <a:noAutofit/>
+          </a:bodyPr>
+          <a:lstStyle>
+            <a:lvl1pPr indent="0" algn="ctr">
+              <a:lnSpc>
+                <a:spcPct val="100000"/>
+              </a:lnSpc>
+              <a:buNone/>
+              <a:tabLst>
+                <a:tab algn="l" pos="0"/>
+              </a:tabLst>
+              <a:defRPr b="0" lang="en-US" sz="1400" spc="-1" strike="noStrike">
+                <a:solidFill>
+                  <a:srgbClr val="000000"/>
+                </a:solidFill>
+                <a:latin typeface="Times New Roman"/>
+              </a:defRPr>
+            </a:lvl1pPr>
+          </a:lstStyle>
+          <a:p>
+            <a:pPr indent="0" algn="ctr">
+              <a:lnSpc>
+                <a:spcPct val="100000"/>
+              </a:lnSpc>
+              <a:buNone/>
+              <a:tabLst>
+                <a:tab algn="l" pos="0"/>
+              </a:tabLst>
+            </a:pPr>
+            <a:r>
+              <a:rPr b="0" lang="en-US" sz="1400" spc="-1" strike="noStrike">
+                <a:solidFill>
+                  <a:srgbClr val="000000"/>
+                </a:solidFill>
+                <a:latin typeface="Times New Roman"/>
+              </a:rPr>
+              <a:t>&lt;footer&gt;</a:t>
+            </a:r>
+            <a:endParaRPr b="0" lang="en-US" sz="1400" spc="-1" strike="noStrike">
+              <a:solidFill>
+                <a:srgbClr val="000000"/>
+              </a:solidFill>
+              <a:latin typeface="Times New Roman"/>
+            </a:endParaRPr>
+          </a:p>
+        </p:txBody>
+      </p:sp>
+      <p:sp>
+        <p:nvSpPr>
+          <p:cNvPr id="9" name="PlaceHolder 3"/>
+          <p:cNvSpPr>
+            <a:spLocks noGrp="1"/>
+          </p:cNvSpPr>
+          <p:nvPr>
+            <p:ph type="sldNum" idx="5"/>
+          </p:nvPr>
+        </p:nvSpPr>
+        <p:spPr>
+          <a:xfrm>
+            <a:off x="7227360" y="5165280"/>
+            <a:ext cx="2347560" cy="389880"/>
+          </a:xfrm>
+          <a:prstGeom prst="rect">
+            <a:avLst/>
+          </a:prstGeom>
+          <a:noFill/>
+          <a:ln w="0">
+            <a:noFill/>
+          </a:ln>
+        </p:spPr>
+        <p:txBody>
+          <a:bodyPr lIns="0" rIns="0" tIns="0" bIns="0" anchor="t">
+            <a:noAutofit/>
+          </a:bodyPr>
+          <a:lstStyle>
+            <a:lvl1pPr indent="0" algn="r">
+              <a:lnSpc>
+                <a:spcPct val="100000"/>
+              </a:lnSpc>
+              <a:buNone/>
+              <a:tabLst>
+                <a:tab algn="l" pos="0"/>
+              </a:tabLst>
+              <a:defRPr b="0" lang="en-US" sz="1400" spc="-1" strike="noStrike">
+                <a:solidFill>
+                  <a:srgbClr val="000000"/>
+                </a:solidFill>
+                <a:latin typeface="Times New Roman"/>
+              </a:defRPr>
+            </a:lvl1pPr>
+          </a:lstStyle>
+          <a:p>
+            <a:pPr indent="0" algn="r">
+              <a:lnSpc>
+                <a:spcPct val="100000"/>
+              </a:lnSpc>
+              <a:buNone/>
+              <a:tabLst>
+                <a:tab algn="l" pos="0"/>
+              </a:tabLst>
+            </a:pPr>
+            <a:fld id="{B07CB38A-273B-4D8D-92B8-4DF80CEFFB25}" type="slidenum">
+              <a:rPr b="0" lang="en-US" sz="1400" spc="-1" strike="noStrike">
+                <a:solidFill>
+                  <a:srgbClr val="000000"/>
+                </a:solidFill>
+                <a:latin typeface="Times New Roman"/>
+              </a:rPr>
+              <a:t>&lt;number&gt;</a:t>
+            </a:fld>
+            <a:endParaRPr b="0" lang="en-US" sz="1400" spc="-1" strike="noStrike">
+              <a:solidFill>
+                <a:srgbClr val="000000"/>
+              </a:solidFill>
+              <a:latin typeface="Times New Roman"/>
+            </a:endParaRPr>
+          </a:p>
+        </p:txBody>
+      </p:sp>
+      <p:sp>
+        <p:nvSpPr>
+          <p:cNvPr id="10" name="PlaceHolder 4"/>
+          <p:cNvSpPr>
+            <a:spLocks noGrp="1"/>
+          </p:cNvSpPr>
+          <p:nvPr>
+            <p:ph type="dt" idx="6"/>
+          </p:nvPr>
+        </p:nvSpPr>
+        <p:spPr>
+          <a:xfrm>
+            <a:off x="504000" y="5165280"/>
+            <a:ext cx="2347560" cy="389880"/>
+          </a:xfrm>
+          <a:prstGeom prst="rect">
+            <a:avLst/>
+          </a:prstGeom>
+          <a:noFill/>
+          <a:ln w="0">
+            <a:noFill/>
+          </a:ln>
+        </p:spPr>
+        <p:txBody>
+          <a:bodyPr lIns="0" rIns="0" tIns="0" bIns="0" anchor="t">
+            <a:noAutofit/>
+          </a:bodyPr>
+          <a:lstStyle>
+            <a:lvl1pPr indent="0">
+              <a:buNone/>
+              <a:defRPr b="0" lang="en-US" sz="1400" spc="-1" strike="noStrike">
+                <a:solidFill>
+                  <a:srgbClr val="000000"/>
+                </a:solidFill>
+                <a:latin typeface="Times New Roman"/>
+              </a:defRPr>
+            </a:lvl1pPr>
+          </a:lstStyle>
+          <a:p>
+            <a:pPr indent="0">
+              <a:buNone/>
+            </a:pPr>
+            <a:r>
+              <a:rPr b="0" lang="en-US" sz="1400" spc="-1" strike="noStrike">
+                <a:solidFill>
+                  <a:srgbClr val="000000"/>
+                </a:solidFill>
+                <a:latin typeface="Times New Roman"/>
+              </a:rPr>
+              <a:t>&lt;date/time&gt;</a:t>
+            </a:r>
+            <a:endParaRPr b="0" lang="en-US" sz="1400" spc="-1" strike="noStrike">
+              <a:solidFill>
+                <a:srgbClr val="000000"/>
+              </a:solidFill>
+              <a:latin typeface="Times New Roman"/>
+            </a:endParaRPr>
+          </a:p>
+        </p:txBody>
+      </p:sp>
+      <p:sp>
+        <p:nvSpPr>
+          <p:cNvPr id="11" name="PlaceHolder 5"/>
+          <p:cNvSpPr>
+            <a:spLocks noGrp="1"/>
+          </p:cNvSpPr>
+          <p:nvPr>
+            <p:ph type="body"/>
+          </p:nvPr>
+        </p:nvSpPr>
+        <p:spPr>
+          <a:xfrm>
+            <a:off x="504000" y="1326600"/>
+            <a:ext cx="9072000" cy="3288600"/>
+          </a:xfrm>
+          <a:prstGeom prst="rect">
+            <a:avLst/>
+          </a:prstGeom>
+          <a:noFill/>
+          <a:ln w="0">
+            <a:noFill/>
+          </a:ln>
+        </p:spPr>
+        <p:txBody>
+          <a:bodyPr lIns="0" rIns="0" tIns="0" bIns="0" anchor="t">
+            <a:normAutofit/>
+          </a:bodyPr>
+          <a:p>
+            <a:pPr marL="432000" indent="-324000">
+              <a:spcBef>
+                <a:spcPts val="1417"/>
+              </a:spcBef>
+              <a:buClr>
+                <a:srgbClr val="000000"/>
+              </a:buClr>
+              <a:buSzPct val="45000"/>
+              <a:buFont typeface="Wingdings" charset="2"/>
+              <a:buChar char=""/>
+            </a:pPr>
+            <a:r>
+              <a:rPr b="0" lang="en-US" sz="3200" spc="-1" strike="noStrike">
+                <a:solidFill>
+                  <a:srgbClr val="000000"/>
+                </a:solidFill>
+                <a:latin typeface="Arial"/>
+              </a:rPr>
+              <a:t>Click to edit the outline text format</a:t>
+            </a:r>
+            <a:endParaRPr b="0" lang="en-US" sz="3200" spc="-1" strike="noStrike">
+              <a:solidFill>
+                <a:srgbClr val="000000"/>
+              </a:solidFill>
+              <a:latin typeface="Arial"/>
+            </a:endParaRPr>
+          </a:p>
+          <a:p>
+            <a:pPr lvl="1" marL="864000" indent="-324000">
+              <a:spcBef>
+                <a:spcPts val="1134"/>
+              </a:spcBef>
+              <a:buClr>
+                <a:srgbClr val="000000"/>
+              </a:buClr>
+              <a:buSzPct val="75000"/>
+              <a:buFont typeface="Symbol" charset="2"/>
+              <a:buChar char=""/>
+            </a:pPr>
+            <a:r>
+              <a:rPr b="0" lang="en-US" sz="2800" spc="-1" strike="noStrike">
+                <a:solidFill>
+                  <a:srgbClr val="000000"/>
+                </a:solidFill>
+                <a:latin typeface="Arial"/>
+              </a:rPr>
+              <a:t>Second Outline Level</a:t>
+            </a:r>
+            <a:endParaRPr b="0" lang="en-US" sz="2800" spc="-1" strike="noStrike">
+              <a:solidFill>
+                <a:srgbClr val="000000"/>
+              </a:solidFill>
+              <a:latin typeface="Arial"/>
+            </a:endParaRPr>
+          </a:p>
+          <a:p>
+            <a:pPr lvl="2" marL="1296000" indent="-288000">
+              <a:spcBef>
+                <a:spcPts val="850"/>
+              </a:spcBef>
+              <a:buClr>
+                <a:srgbClr val="000000"/>
+              </a:buClr>
+              <a:buSzPct val="45000"/>
+              <a:buFont typeface="Wingdings" charset="2"/>
+              <a:buChar char=""/>
+            </a:pPr>
+            <a:r>
+              <a:rPr b="0" lang="en-US" sz="2400" spc="-1" strike="noStrike">
+                <a:solidFill>
+                  <a:srgbClr val="000000"/>
+                </a:solidFill>
+                <a:latin typeface="Arial"/>
+              </a:rPr>
+              <a:t>Third Outline Level</a:t>
+            </a:r>
+            <a:endParaRPr b="0" lang="en-US" sz="2400" spc="-1" strike="noStrike">
+              <a:solidFill>
+                <a:srgbClr val="000000"/>
+              </a:solidFill>
+              <a:latin typeface="Arial"/>
+            </a:endParaRPr>
+          </a:p>
+          <a:p>
+            <a:pPr lvl="3" marL="1728000" indent="-216000">
+              <a:spcBef>
+                <a:spcPts val="567"/>
+              </a:spcBef>
+              <a:buClr>
+                <a:srgbClr val="000000"/>
+              </a:buClr>
+              <a:buSzPct val="75000"/>
+              <a:buFont typeface="Symbol" charset="2"/>
+              <a:buChar char=""/>
+            </a:pPr>
+            <a:r>
+              <a:rPr b="0" lang="en-US" sz="2000" spc="-1" strike="noStrike">
+                <a:solidFill>
+                  <a:srgbClr val="000000"/>
+                </a:solidFill>
+                <a:latin typeface="Arial"/>
+              </a:rPr>
+              <a:t>Fourth Outline Level</a:t>
+            </a:r>
+            <a:endParaRPr b="0" lang="en-US" sz="2000" spc="-1" strike="noStrike">
+              <a:solidFill>
+                <a:srgbClr val="000000"/>
+              </a:solidFill>
+              <a:latin typeface="Arial"/>
+            </a:endParaRPr>
+          </a:p>
+          <a:p>
+            <a:pPr lvl="4" marL="2160000" indent="-216000">
+              <a:spcBef>
+                <a:spcPts val="283"/>
+              </a:spcBef>
+              <a:buClr>
+                <a:srgbClr val="000000"/>
+              </a:buClr>
+              <a:buSzPct val="45000"/>
+              <a:buFont typeface="Wingdings" charset="2"/>
+              <a:buChar char=""/>
+            </a:pPr>
+            <a:r>
+              <a:rPr b="0" lang="en-US" sz="2000" spc="-1" strike="noStrike">
+                <a:solidFill>
+                  <a:srgbClr val="000000"/>
+                </a:solidFill>
+                <a:latin typeface="Arial"/>
+              </a:rPr>
+              <a:t>Fifth Outline Level</a:t>
+            </a:r>
+            <a:endParaRPr b="0" lang="en-US" sz="2000" spc="-1" strike="noStrike">
+              <a:solidFill>
+                <a:srgbClr val="000000"/>
+              </a:solidFill>
+              <a:latin typeface="Arial"/>
+            </a:endParaRPr>
+          </a:p>
+          <a:p>
+            <a:pPr lvl="5" marL="2592000" indent="-216000">
+              <a:spcBef>
+                <a:spcPts val="283"/>
+              </a:spcBef>
+              <a:buClr>
+                <a:srgbClr val="000000"/>
+              </a:buClr>
+              <a:buSzPct val="45000"/>
+              <a:buFont typeface="Wingdings" charset="2"/>
+              <a:buChar char=""/>
+            </a:pPr>
+            <a:r>
+              <a:rPr b="0" lang="en-US" sz="2000" spc="-1" strike="noStrike">
+                <a:solidFill>
+                  <a:srgbClr val="000000"/>
+                </a:solidFill>
+                <a:latin typeface="Arial"/>
+              </a:rPr>
+              <a:t>Sixth Outline Level</a:t>
+            </a:r>
+            <a:endParaRPr b="0" lang="en-US" sz="2000" spc="-1" strike="noStrike">
+              <a:solidFill>
+                <a:srgbClr val="000000"/>
+              </a:solidFill>
+              <a:latin typeface="Arial"/>
+            </a:endParaRPr>
+          </a:p>
+          <a:p>
+            <a:pPr lvl="6" marL="3024000" indent="-216000">
+              <a:spcBef>
+                <a:spcPts val="283"/>
+              </a:spcBef>
+              <a:buClr>
+                <a:srgbClr val="000000"/>
+              </a:buClr>
+              <a:buSzPct val="45000"/>
+              <a:buFont typeface="Wingdings" charset="2"/>
+              <a:buChar char=""/>
+            </a:pPr>
+            <a:r>
+              <a:rPr b="0" lang="en-US" sz="2000" spc="-1" strike="noStrike">
+                <a:solidFill>
+                  <a:srgbClr val="000000"/>
+                </a:solidFill>
+                <a:latin typeface="Arial"/>
+              </a:rPr>
+              <a:t>Seventh Outline Level</a:t>
+            </a:r>
+            <a:endParaRPr b="0" lang="en-US" sz="2000" spc="-1" strike="noStrike">
+              <a:solidFill>
+                <a:srgbClr val="000000"/>
+              </a:solidFill>
+              <a:latin typeface="Arial"/>
+            </a:endParaRPr>
+          </a:p>
+        </p:txBody>
+      </p:sp>
+    </p:spTree>
+  </p:cSld>
+  <p:clrMap bg1="lt1" bg2="lt2" tx1="dk1" tx2="dk2" accent1="accent1" accent2="accent2" accent3="accent3" accent4="accent4" accent5="accent5" accent6="accent6" hlink="hlink" folHlink="folHlink"/>
+  <p:sldLayoutIdLst>
+    <p:sldLayoutId id="2147483651" r:id="rId2"/>
   </p:sldLayoutIdLst>
 </p:sldMaster>
 </file>
@@ -848,7 +1376,7 @@
       </p:grpSpPr>
       <p:sp>
         <p:nvSpPr>
-          <p:cNvPr id="9" name="PlaceHolder 1"/>
+          <p:cNvPr id="14" name="PlaceHolder 1"/>
           <p:cNvSpPr>
             <a:spLocks noGrp="1"/>
           </p:cNvSpPr>
@@ -859,7 +1387,7 @@
         <p:spPr>
           <a:xfrm>
             <a:off x="504000" y="226080"/>
-            <a:ext cx="9071640" cy="946440"/>
+            <a:ext cx="9070920" cy="945720"/>
           </a:xfrm>
           <a:prstGeom prst="rect">
             <a:avLst/>
@@ -875,7 +1403,13 @@
           </a:bodyPr>
           <a:p>
             <a:pPr indent="0" algn="ctr">
+              <a:lnSpc>
+                <a:spcPct val="100000"/>
+              </a:lnSpc>
               <a:buNone/>
+              <a:tabLst>
+                <a:tab algn="l" pos="0"/>
+              </a:tabLst>
             </a:pPr>
             <a:r>
               <a:rPr b="0" lang="en-US" sz="4400" spc="-1" strike="noStrike">
@@ -897,7 +1431,7 @@
       </p:sp>
       <p:sp>
         <p:nvSpPr>
-          <p:cNvPr id="10" name="PlaceHolder 2"/>
+          <p:cNvPr id="15" name="PlaceHolder 2"/>
           <p:cNvSpPr>
             <a:spLocks noGrp="1"/>
           </p:cNvSpPr>
@@ -908,7 +1442,7 @@
         <p:spPr>
           <a:xfrm>
             <a:off x="504000" y="1326600"/>
-            <a:ext cx="9071640" cy="3288240"/>
+            <a:ext cx="9070920" cy="3287520"/>
           </a:xfrm>
           <a:prstGeom prst="rect">
             <a:avLst/>
@@ -924,13 +1458,20 @@
           </a:bodyPr>
           <a:p>
             <a:pPr indent="0" algn="ctr">
+              <a:lnSpc>
+                <a:spcPct val="100000"/>
+              </a:lnSpc>
               <a:buNone/>
-            </a:pPr>
-            <a:r>
-              <a:rPr b="0" lang="en-US" sz="3200" spc="-1" strike="noStrike">
-                <a:solidFill>
-                  <a:srgbClr val="000000"/>
-                </a:solidFill>
+              <a:tabLst>
+                <a:tab algn="l" pos="0"/>
+              </a:tabLst>
+            </a:pPr>
+            <a:r>
+              <a:rPr b="0" lang="en-US" sz="3200" spc="-1" strike="noStrike" u="sng">
+                <a:solidFill>
+                  <a:srgbClr val="0000ee"/>
+                </a:solidFill>
+                <a:uFillTx/>
                 <a:latin typeface="Arial"/>
                 <a:hlinkClick r:id="rId1"/>
               </a:rPr>
@@ -977,7 +1518,7 @@
       </p:grpSpPr>
       <p:sp>
         <p:nvSpPr>
-          <p:cNvPr id="11" name="PlaceHolder 1"/>
+          <p:cNvPr id="16" name="PlaceHolder 1"/>
           <p:cNvSpPr>
             <a:spLocks noGrp="1"/>
           </p:cNvSpPr>
@@ -988,7 +1529,7 @@
         <p:spPr>
           <a:xfrm>
             <a:off x="504000" y="226080"/>
-            <a:ext cx="9071640" cy="946440"/>
+            <a:ext cx="9070920" cy="945720"/>
           </a:xfrm>
           <a:prstGeom prst="rect">
             <a:avLst/>
@@ -1004,7 +1545,13 @@
           </a:bodyPr>
           <a:p>
             <a:pPr indent="0" algn="ctr">
+              <a:lnSpc>
+                <a:spcPct val="100000"/>
+              </a:lnSpc>
               <a:buNone/>
+              <a:tabLst>
+                <a:tab algn="l" pos="0"/>
+              </a:tabLst>
             </a:pPr>
             <a:r>
               <a:rPr b="0" lang="en-US" sz="4400" spc="-1" strike="noStrike">
@@ -1026,7 +1573,7 @@
       </p:sp>
       <p:sp>
         <p:nvSpPr>
-          <p:cNvPr id="12" name="PlaceHolder 2"/>
+          <p:cNvPr id="17" name="PlaceHolder 2"/>
           <p:cNvSpPr>
             <a:spLocks noGrp="1"/>
           </p:cNvSpPr>
@@ -1037,7 +1584,7 @@
         <p:spPr>
           <a:xfrm>
             <a:off x="1371600" y="2057400"/>
-            <a:ext cx="7746840" cy="2102400"/>
+            <a:ext cx="7746120" cy="2101680"/>
           </a:xfrm>
           <a:prstGeom prst="rect">
             <a:avLst/>
@@ -1053,6 +1600,9 @@
           </a:bodyPr>
           <a:p>
             <a:pPr marL="432000" indent="-324000">
+              <a:lnSpc>
+                <a:spcPct val="100000"/>
+              </a:lnSpc>
               <a:spcBef>
                 <a:spcPts val="1417"/>
               </a:spcBef>
@@ -1081,6 +1631,9 @@
           </a:p>
           <a:p>
             <a:pPr marL="432000" indent="-324000">
+              <a:lnSpc>
+                <a:spcPct val="100000"/>
+              </a:lnSpc>
               <a:spcBef>
                 <a:spcPts val="1191"/>
               </a:spcBef>
@@ -1112,6 +1665,9 @@
           </a:p>
           <a:p>
             <a:pPr marL="432000" indent="-324000">
+              <a:lnSpc>
+                <a:spcPct val="100000"/>
+              </a:lnSpc>
               <a:spcBef>
                 <a:spcPts val="1191"/>
               </a:spcBef>
@@ -1175,7 +1731,7 @@
       </p:grpSpPr>
       <p:sp>
         <p:nvSpPr>
-          <p:cNvPr id="13" name="PlaceHolder 1"/>
+          <p:cNvPr id="18" name="PlaceHolder 1"/>
           <p:cNvSpPr>
             <a:spLocks noGrp="1"/>
           </p:cNvSpPr>
@@ -1186,7 +1742,7 @@
         <p:spPr>
           <a:xfrm>
             <a:off x="504000" y="226080"/>
-            <a:ext cx="9071640" cy="946440"/>
+            <a:ext cx="9070920" cy="945720"/>
           </a:xfrm>
           <a:prstGeom prst="rect">
             <a:avLst/>
@@ -1202,7 +1758,13 @@
           </a:bodyPr>
           <a:p>
             <a:pPr indent="0" algn="ctr">
+              <a:lnSpc>
+                <a:spcPct val="100000"/>
+              </a:lnSpc>
               <a:buNone/>
+              <a:tabLst>
+                <a:tab algn="l" pos="0"/>
+              </a:tabLst>
             </a:pPr>
             <a:r>
               <a:rPr b="0" lang="en-US" sz="4400" spc="-1" strike="noStrike">
@@ -1211,7 +1773,7 @@
                 </a:solidFill>
                 <a:latin typeface="Arial"/>
               </a:rPr>
-              <a:t>Projet charity pool</a:t>
+              <a:t>Charity pool project</a:t>
             </a:r>
             <a:endParaRPr b="0" lang="en-US" sz="4400" spc="-1" strike="noStrike">
               <a:solidFill>
@@ -1224,7 +1786,7 @@
       </p:sp>
       <p:sp>
         <p:nvSpPr>
-          <p:cNvPr id="14" name="PlaceHolder 2"/>
+          <p:cNvPr id="19" name="PlaceHolder 2"/>
           <p:cNvSpPr>
             <a:spLocks noGrp="1"/>
           </p:cNvSpPr>
@@ -1234,8 +1796,8 @@
         </p:nvSpPr>
         <p:spPr>
           <a:xfrm>
-            <a:off x="504000" y="1326600"/>
-            <a:ext cx="9071640" cy="3288240"/>
+            <a:off x="504000" y="1600200"/>
+            <a:ext cx="9070920" cy="2787840"/>
           </a:xfrm>
           <a:prstGeom prst="rect">
             <a:avLst/>
@@ -1250,13 +1812,164 @@
             <a:normAutofit/>
           </a:bodyPr>
           <a:p>
-            <a:pPr indent="0">
+            <a:pPr marL="432000" indent="-324000">
+              <a:lnSpc>
+                <a:spcPct val="100000"/>
+              </a:lnSpc>
               <a:spcBef>
-                <a:spcPts val="1417"/>
+                <a:spcPts val="1191"/>
               </a:spcBef>
-              <a:buNone/>
-            </a:pPr>
-            <a:endParaRPr b="0" lang="en-US" sz="3200" spc="-1" strike="noStrike">
+              <a:spcAft>
+                <a:spcPts val="992"/>
+              </a:spcAft>
+              <a:buClr>
+                <a:srgbClr val="000000"/>
+              </a:buClr>
+              <a:buFont typeface="Wingdings" charset="2"/>
+              <a:buChar char=""/>
+            </a:pPr>
+            <a:r>
+              <a:rPr b="0" lang="en-US" sz="1800" spc="-1" strike="noStrike">
+                <a:solidFill>
+                  <a:srgbClr val="000000"/>
+                </a:solidFill>
+                <a:latin typeface="Arial"/>
+              </a:rPr>
+              <a:t>DApp built on the Solana blockchain,</a:t>
+            </a:r>
+            <a:endParaRPr b="0" lang="en-US" sz="1800" spc="-1" strike="noStrike">
+              <a:solidFill>
+                <a:srgbClr val="000000"/>
+              </a:solidFill>
+              <a:latin typeface="Arial"/>
+            </a:endParaRPr>
+          </a:p>
+          <a:p>
+            <a:pPr marL="432000" indent="-324000">
+              <a:lnSpc>
+                <a:spcPct val="100000"/>
+              </a:lnSpc>
+              <a:spcBef>
+                <a:spcPts val="1191"/>
+              </a:spcBef>
+              <a:spcAft>
+                <a:spcPts val="992"/>
+              </a:spcAft>
+              <a:buClr>
+                <a:srgbClr val="000000"/>
+              </a:buClr>
+              <a:buFont typeface="Wingdings" charset="2"/>
+              <a:buChar char=""/>
+            </a:pPr>
+            <a:r>
+              <a:rPr b="0" lang="en-US" sz="1800" spc="-1" strike="noStrike">
+                <a:solidFill>
+                  <a:srgbClr val="000000"/>
+                </a:solidFill>
+                <a:latin typeface="Arial"/>
+              </a:rPr>
+              <a:t>Allows users to contribute funds to various causes and organizations.</a:t>
+            </a:r>
+            <a:endParaRPr b="0" lang="en-US" sz="1800" spc="-1" strike="noStrike">
+              <a:solidFill>
+                <a:srgbClr val="000000"/>
+              </a:solidFill>
+              <a:latin typeface="Arial"/>
+            </a:endParaRPr>
+          </a:p>
+          <a:p>
+            <a:pPr marL="432000" indent="-324000">
+              <a:lnSpc>
+                <a:spcPct val="100000"/>
+              </a:lnSpc>
+              <a:spcBef>
+                <a:spcPts val="1191"/>
+              </a:spcBef>
+              <a:spcAft>
+                <a:spcPts val="992"/>
+              </a:spcAft>
+              <a:buClr>
+                <a:srgbClr val="000000"/>
+              </a:buClr>
+              <a:buFont typeface="Wingdings" charset="2"/>
+              <a:buChar char=""/>
+            </a:pPr>
+            <a:r>
+              <a:rPr b="0" lang="en-US" sz="1800" spc="-1" strike="noStrike">
+                <a:solidFill>
+                  <a:srgbClr val="000000"/>
+                </a:solidFill>
+                <a:latin typeface="Arial"/>
+              </a:rPr>
+              <a:t>Dapp aaply to each pool, a deadline,</a:t>
+            </a:r>
+            <a:endParaRPr b="0" lang="en-US" sz="1800" spc="-1" strike="noStrike">
+              <a:solidFill>
+                <a:srgbClr val="000000"/>
+              </a:solidFill>
+              <a:latin typeface="Arial"/>
+            </a:endParaRPr>
+          </a:p>
+          <a:p>
+            <a:pPr marL="432000" indent="-324000">
+              <a:lnSpc>
+                <a:spcPct val="100000"/>
+              </a:lnSpc>
+              <a:spcBef>
+                <a:spcPts val="1191"/>
+              </a:spcBef>
+              <a:spcAft>
+                <a:spcPts val="992"/>
+              </a:spcAft>
+              <a:buClr>
+                <a:srgbClr val="000000"/>
+              </a:buClr>
+              <a:buFont typeface="Wingdings" charset="2"/>
+              <a:buChar char=""/>
+            </a:pPr>
+            <a:r>
+              <a:rPr b="0" lang="en-US" sz="1800" spc="-1" strike="noStrike">
+                <a:solidFill>
+                  <a:srgbClr val="000000"/>
+                </a:solidFill>
+                <a:latin typeface="Arial"/>
+              </a:rPr>
+              <a:t>VRF to select a winner among contributors,</a:t>
+            </a:r>
+            <a:endParaRPr b="0" lang="en-US" sz="1800" spc="-1" strike="noStrike">
+              <a:solidFill>
+                <a:srgbClr val="000000"/>
+              </a:solidFill>
+              <a:latin typeface="Arial"/>
+            </a:endParaRPr>
+          </a:p>
+          <a:p>
+            <a:pPr marL="432000" indent="-324000">
+              <a:lnSpc>
+                <a:spcPct val="100000"/>
+              </a:lnSpc>
+              <a:spcBef>
+                <a:spcPts val="1191"/>
+              </a:spcBef>
+              <a:spcAft>
+                <a:spcPts val="992"/>
+              </a:spcAft>
+              <a:buClr>
+                <a:srgbClr val="000000"/>
+              </a:buClr>
+              <a:buFont typeface="Wingdings" charset="2"/>
+              <a:buChar char=""/>
+            </a:pPr>
+            <a:r>
+              <a:rPr b="0" lang="en-US" sz="1800" spc="-1" strike="noStrike">
+                <a:solidFill>
+                  <a:srgbClr val="000000"/>
+                </a:solidFill>
+                <a:latin typeface="Arial"/>
+              </a:rPr>
+              <a:t>All transactions and contributions are publicly visible</a:t>
+            </a:r>
+            <a:endParaRPr b="0" lang="en-US" sz="1800" spc="-1" strike="noStrike">
               <a:solidFill>
                 <a:srgbClr val="000000"/>
               </a:solidFill>
@@ -1297,7 +2010,7 @@
       </p:grpSpPr>
       <p:sp>
         <p:nvSpPr>
-          <p:cNvPr id="15" name="PlaceHolder 1"/>
+          <p:cNvPr id="20" name="PlaceHolder 1"/>
           <p:cNvSpPr>
             <a:spLocks noGrp="1"/>
           </p:cNvSpPr>
@@ -1308,7 +2021,7 @@
         <p:spPr>
           <a:xfrm>
             <a:off x="504000" y="226080"/>
-            <a:ext cx="9071640" cy="946440"/>
+            <a:ext cx="9070920" cy="945720"/>
           </a:xfrm>
           <a:prstGeom prst="rect">
             <a:avLst/>
@@ -1324,7 +2037,13 @@
           </a:bodyPr>
           <a:p>
             <a:pPr indent="0" algn="ctr">
+              <a:lnSpc>
+                <a:spcPct val="100000"/>
+              </a:lnSpc>
               <a:buNone/>
+              <a:tabLst>
+                <a:tab algn="l" pos="0"/>
+              </a:tabLst>
             </a:pPr>
             <a:r>
               <a:rPr b="0" lang="en-US" sz="4400" spc="-1" strike="noStrike">
@@ -1344,49 +2063,29 @@
           </a:p>
         </p:txBody>
       </p:sp>
-      <p:sp>
-        <p:nvSpPr>
-          <p:cNvPr id="16" name="PlaceHolder 2"/>
-          <p:cNvSpPr>
-            <a:spLocks noGrp="1"/>
-          </p:cNvSpPr>
-          <p:nvPr>
-            <p:ph/>
-          </p:nvPr>
-        </p:nvSpPr>
+      <p:pic>
+        <p:nvPicPr>
+          <p:cNvPr id="21" name="" descr=""/>
+          <p:cNvPicPr/>
+          <p:nvPr/>
+        </p:nvPicPr>
+        <p:blipFill>
+          <a:blip r:embed="rId1"/>
+          <a:stretch/>
+        </p:blipFill>
         <p:spPr>
           <a:xfrm>
-            <a:off x="504000" y="1326600"/>
-            <a:ext cx="9071640" cy="3288240"/>
+            <a:off x="457200" y="1371600"/>
+            <a:ext cx="8915400" cy="3853080"/>
           </a:xfrm>
           <a:prstGeom prst="rect">
             <a:avLst/>
           </a:prstGeom>
-          <a:noFill/>
           <a:ln w="0">
             <a:noFill/>
           </a:ln>
         </p:spPr>
-        <p:txBody>
-          <a:bodyPr lIns="0" rIns="0" tIns="0" bIns="0" anchor="t">
-            <a:normAutofit/>
-          </a:bodyPr>
-          <a:p>
-            <a:pPr indent="0">
-              <a:spcBef>
-                <a:spcPts val="1417"/>
-              </a:spcBef>
-              <a:buNone/>
-            </a:pPr>
-            <a:endParaRPr b="0" lang="en-US" sz="3200" spc="-1" strike="noStrike">
-              <a:solidFill>
-                <a:srgbClr val="000000"/>
-              </a:solidFill>
-              <a:latin typeface="Arial"/>
-            </a:endParaRPr>
-          </a:p>
-        </p:txBody>
-      </p:sp>
+      </p:pic>
     </p:spTree>
   </p:cSld>
   <mc:AlternateContent>
@@ -1419,7 +2118,7 @@
       </p:grpSpPr>
       <p:sp>
         <p:nvSpPr>
-          <p:cNvPr id="17" name="PlaceHolder 1"/>
+          <p:cNvPr id="22" name="PlaceHolder 1"/>
           <p:cNvSpPr>
             <a:spLocks noGrp="1"/>
           </p:cNvSpPr>
@@ -1430,7 +2129,7 @@
         <p:spPr>
           <a:xfrm>
             <a:off x="504000" y="226080"/>
-            <a:ext cx="9071640" cy="946440"/>
+            <a:ext cx="9070920" cy="945720"/>
           </a:xfrm>
           <a:prstGeom prst="rect">
             <a:avLst/>
@@ -1446,7 +2145,13 @@
           </a:bodyPr>
           <a:p>
             <a:pPr indent="0" algn="ctr">
+              <a:lnSpc>
+                <a:spcPct val="100000"/>
+              </a:lnSpc>
               <a:buNone/>
+              <a:tabLst>
+                <a:tab algn="l" pos="0"/>
+              </a:tabLst>
             </a:pPr>
             <a:r>
               <a:rPr b="0" lang="en-US" sz="4400" spc="-1" strike="noStrike">
@@ -1468,7 +2173,7 @@
       </p:sp>
       <p:sp>
         <p:nvSpPr>
-          <p:cNvPr id="18" name="PlaceHolder 2"/>
+          <p:cNvPr id="23" name="PlaceHolder 2"/>
           <p:cNvSpPr>
             <a:spLocks noGrp="1"/>
           </p:cNvSpPr>
@@ -1479,7 +2184,7 @@
         <p:spPr>
           <a:xfrm>
             <a:off x="504000" y="1326600"/>
-            <a:ext cx="9071640" cy="3288240"/>
+            <a:ext cx="9070920" cy="3287520"/>
           </a:xfrm>
           <a:prstGeom prst="rect">
             <a:avLst/>
@@ -1494,13 +2199,88 @@
             <a:normAutofit/>
           </a:bodyPr>
           <a:p>
-            <a:pPr indent="0">
+            <a:pPr indent="-324000">
+              <a:lnSpc>
+                <a:spcPct val="100000"/>
+              </a:lnSpc>
+              <a:buClr>
+                <a:srgbClr val="000000"/>
+              </a:buClr>
+              <a:buFont typeface="Wingdings" charset="2"/>
+              <a:buChar char=""/>
+            </a:pPr>
+            <a:r>
+              <a:rPr b="0" lang="en-US" sz="1800" spc="-1" strike="noStrike">
+                <a:solidFill>
+                  <a:srgbClr val="000000"/>
+                </a:solidFill>
+                <a:latin typeface="Arial"/>
+              </a:rPr>
+              <a:t>Limits of the demo</a:t>
+            </a:r>
+            <a:endParaRPr b="0" lang="en-US" sz="1800" spc="-1" strike="noStrike">
+              <a:solidFill>
+                <a:srgbClr val="000000"/>
+              </a:solidFill>
+              <a:latin typeface="Arial"/>
+            </a:endParaRPr>
+          </a:p>
+          <a:p>
+            <a:pPr lvl="1" marL="864000" indent="-324000">
+              <a:lnSpc>
+                <a:spcPct val="100000"/>
+              </a:lnSpc>
               <a:spcBef>
-                <a:spcPts val="1417"/>
+                <a:spcPts val="1134"/>
               </a:spcBef>
-              <a:buNone/>
-            </a:pPr>
-            <a:endParaRPr b="0" lang="en-US" sz="3200" spc="-1" strike="noStrike">
+              <a:buClr>
+                <a:srgbClr val="000000"/>
+              </a:buClr>
+              <a:buSzPct val="75000"/>
+              <a:buFont typeface="Symbol" charset="2"/>
+              <a:buChar char=""/>
+            </a:pPr>
+            <a:r>
+              <a:rPr b="0" lang="en-US" sz="2800" spc="-1" strike="noStrike">
+                <a:solidFill>
+                  <a:srgbClr val="000000"/>
+                </a:solidFill>
+                <a:latin typeface="Arial"/>
+              </a:rPr>
+              <a:t>No deadline</a:t>
+            </a:r>
+            <a:endParaRPr b="0" lang="en-US" sz="2800" spc="-1" strike="noStrike">
+              <a:solidFill>
+                <a:srgbClr val="000000"/>
+              </a:solidFill>
+              <a:latin typeface="Arial"/>
+            </a:endParaRPr>
+          </a:p>
+          <a:p>
+            <a:pPr lvl="1" marL="864000" indent="-324000">
+              <a:lnSpc>
+                <a:spcPct val="100000"/>
+              </a:lnSpc>
+              <a:spcBef>
+                <a:spcPts val="1134"/>
+              </a:spcBef>
+              <a:buClr>
+                <a:srgbClr val="000000"/>
+              </a:buClr>
+              <a:buSzPct val="75000"/>
+              <a:buFont typeface="Symbol" charset="2"/>
+              <a:buChar char=""/>
+            </a:pPr>
+            <a:r>
+              <a:rPr b="0" lang="en-US" sz="2800" spc="-1" strike="noStrike">
+                <a:solidFill>
+                  <a:srgbClr val="000000"/>
+                </a:solidFill>
+                <a:latin typeface="Arial"/>
+              </a:rPr>
+              <a:t>VRF not implemented</a:t>
+            </a:r>
+            <a:endParaRPr b="0" lang="en-US" sz="2800" spc="-1" strike="noStrike">
               <a:solidFill>
                 <a:srgbClr val="000000"/>
               </a:solidFill>
@@ -1541,7 +2321,7 @@
       </p:grpSpPr>
       <p:sp>
         <p:nvSpPr>
-          <p:cNvPr id="19" name="PlaceHolder 1"/>
+          <p:cNvPr id="24" name="PlaceHolder 1"/>
           <p:cNvSpPr>
             <a:spLocks noGrp="1"/>
           </p:cNvSpPr>
@@ -1552,7 +2332,7 @@
         <p:spPr>
           <a:xfrm>
             <a:off x="457200" y="228600"/>
-            <a:ext cx="9071640" cy="946440"/>
+            <a:ext cx="9070920" cy="945720"/>
           </a:xfrm>
           <a:prstGeom prst="rect">
             <a:avLst/>
@@ -1568,7 +2348,13 @@
           </a:bodyPr>
           <a:p>
             <a:pPr indent="0" algn="ctr">
+              <a:lnSpc>
+                <a:spcPct val="100000"/>
+              </a:lnSpc>
               <a:buNone/>
+              <a:tabLst>
+                <a:tab algn="l" pos="0"/>
+              </a:tabLst>
             </a:pPr>
             <a:r>
               <a:rPr b="0" lang="en-US" sz="4400" spc="-1" strike="noStrike">
@@ -1590,7 +2376,7 @@
       </p:sp>
       <p:sp>
         <p:nvSpPr>
-          <p:cNvPr id="20" name="PlaceHolder 2"/>
+          <p:cNvPr id="25" name="PlaceHolder 2"/>
           <p:cNvSpPr>
             <a:spLocks noGrp="1"/>
           </p:cNvSpPr>
@@ -1601,7 +2387,7 @@
         <p:spPr>
           <a:xfrm>
             <a:off x="504000" y="1326600"/>
-            <a:ext cx="9071640" cy="3288240"/>
+            <a:ext cx="9070920" cy="3287520"/>
           </a:xfrm>
           <a:prstGeom prst="rect">
             <a:avLst/>
@@ -1616,13 +2402,26 @@
             <a:normAutofit/>
           </a:bodyPr>
           <a:p>
-            <a:pPr indent="0">
-              <a:spcBef>
-                <a:spcPts val="1417"/>
-              </a:spcBef>
-              <a:buNone/>
-            </a:pPr>
-            <a:endParaRPr b="0" lang="en-US" sz="3200" spc="-1" strike="noStrike">
+            <a:pPr marL="432000" indent="-324000">
+              <a:lnSpc>
+                <a:spcPct val="100000"/>
+              </a:lnSpc>
+              <a:buClr>
+                <a:srgbClr val="000000"/>
+              </a:buClr>
+              <a:buFont typeface="Wingdings" charset="2"/>
+              <a:buChar char=""/>
+            </a:pPr>
+            <a:r>
+              <a:rPr b="0" lang="en-US" sz="1800" spc="-1" strike="noStrike">
+                <a:solidFill>
+                  <a:srgbClr val="000000"/>
+                </a:solidFill>
+                <a:latin typeface="Arial"/>
+              </a:rPr>
+              <a:t>Smart contract</a:t>
+            </a:r>
+            <a:endParaRPr b="0" lang="en-US" sz="1800" spc="-1" strike="noStrike">
               <a:solidFill>
                 <a:srgbClr val="000000"/>
               </a:solidFill>
@@ -1663,7 +2462,7 @@
       </p:grpSpPr>
       <p:sp>
         <p:nvSpPr>
-          <p:cNvPr id="21" name="PlaceHolder 1"/>
+          <p:cNvPr id="26" name="PlaceHolder 1"/>
           <p:cNvSpPr>
             <a:spLocks noGrp="1"/>
           </p:cNvSpPr>
@@ -1674,7 +2473,7 @@
         <p:spPr>
           <a:xfrm>
             <a:off x="504000" y="226080"/>
-            <a:ext cx="9071640" cy="946440"/>
+            <a:ext cx="9070920" cy="945720"/>
           </a:xfrm>
           <a:prstGeom prst="rect">
             <a:avLst/>
@@ -1690,7 +2489,13 @@
           </a:bodyPr>
           <a:p>
             <a:pPr indent="0" algn="ctr">
+              <a:lnSpc>
+                <a:spcPct val="100000"/>
+              </a:lnSpc>
               <a:buNone/>
+              <a:tabLst>
+                <a:tab algn="l" pos="0"/>
+              </a:tabLst>
             </a:pPr>
             <a:r>
               <a:rPr b="0" lang="en-US" sz="4400" spc="-1" strike="noStrike">
@@ -1712,7 +2517,7 @@
       </p:sp>
       <p:sp>
         <p:nvSpPr>
-          <p:cNvPr id="22" name="PlaceHolder 2"/>
+          <p:cNvPr id="27" name="PlaceHolder 2"/>
           <p:cNvSpPr>
             <a:spLocks noGrp="1"/>
           </p:cNvSpPr>
@@ -1723,7 +2528,7 @@
         <p:spPr>
           <a:xfrm>
             <a:off x="504000" y="1326600"/>
-            <a:ext cx="9071640" cy="3288240"/>
+            <a:ext cx="9070920" cy="3287520"/>
           </a:xfrm>
           <a:prstGeom prst="rect">
             <a:avLst/>
@@ -1738,13 +2543,26 @@
             <a:normAutofit/>
           </a:bodyPr>
           <a:p>
-            <a:pPr indent="0">
-              <a:spcBef>
-                <a:spcPts val="1417"/>
-              </a:spcBef>
-              <a:buNone/>
-            </a:pPr>
-            <a:endParaRPr b="0" lang="en-US" sz="3200" spc="-1" strike="noStrike">
+            <a:pPr marL="432000" indent="-324000">
+              <a:lnSpc>
+                <a:spcPct val="100000"/>
+              </a:lnSpc>
+              <a:buClr>
+                <a:srgbClr val="000000"/>
+              </a:buClr>
+              <a:buFont typeface="Wingdings" charset="2"/>
+              <a:buChar char=""/>
+            </a:pPr>
+            <a:r>
+              <a:rPr b="0" lang="en-US" sz="1800" spc="-1" strike="noStrike">
+                <a:solidFill>
+                  <a:srgbClr val="000000"/>
+                </a:solidFill>
+                <a:latin typeface="Arial"/>
+              </a:rPr>
+              <a:t>Let’s run `anchor test`</a:t>
+            </a:r>
+            <a:endParaRPr b="0" lang="en-US" sz="1800" spc="-1" strike="noStrike">
               <a:solidFill>
                 <a:srgbClr val="000000"/>
               </a:solidFill>
@@ -1785,7 +2603,7 @@
       </p:grpSpPr>
       <p:sp>
         <p:nvSpPr>
-          <p:cNvPr id="23" name="PlaceHolder 1"/>
+          <p:cNvPr id="28" name="PlaceHolder 1"/>
           <p:cNvSpPr>
             <a:spLocks noGrp="1"/>
           </p:cNvSpPr>
@@ -1796,7 +2614,7 @@
         <p:spPr>
           <a:xfrm>
             <a:off x="504000" y="226080"/>
-            <a:ext cx="9071640" cy="946440"/>
+            <a:ext cx="9070920" cy="945720"/>
           </a:xfrm>
           <a:prstGeom prst="rect">
             <a:avLst/>
@@ -1812,7 +2630,13 @@
           </a:bodyPr>
           <a:p>
             <a:pPr indent="0" algn="ctr">
+              <a:lnSpc>
+                <a:spcPct val="100000"/>
+              </a:lnSpc>
               <a:buNone/>
+              <a:tabLst>
+                <a:tab algn="l" pos="0"/>
+              </a:tabLst>
             </a:pPr>
             <a:r>
               <a:rPr b="0" lang="en-US" sz="4400" spc="-1" strike="noStrike">
@@ -1824,49 +2648,6 @@
               <a:t>Questions</a:t>
             </a:r>
             <a:endParaRPr b="0" lang="en-US" sz="4400" spc="-1" strike="noStrike">
-              <a:solidFill>
-                <a:srgbClr val="000000"/>
-              </a:solidFill>
-              <a:latin typeface="Arial"/>
-            </a:endParaRPr>
-          </a:p>
-        </p:txBody>
-      </p:sp>
-      <p:sp>
-        <p:nvSpPr>
-          <p:cNvPr id="24" name="PlaceHolder 2"/>
-          <p:cNvSpPr>
-            <a:spLocks noGrp="1"/>
-          </p:cNvSpPr>
-          <p:nvPr>
-            <p:ph/>
-          </p:nvPr>
-        </p:nvSpPr>
-        <p:spPr>
-          <a:xfrm>
-            <a:off x="504000" y="1326600"/>
-            <a:ext cx="9071640" cy="3288240"/>
-          </a:xfrm>
-          <a:prstGeom prst="rect">
-            <a:avLst/>
-          </a:prstGeom>
-          <a:noFill/>
-          <a:ln w="0">
-            <a:noFill/>
-          </a:ln>
-        </p:spPr>
-        <p:txBody>
-          <a:bodyPr lIns="0" rIns="0" tIns="0" bIns="0" anchor="t">
-            <a:normAutofit/>
-          </a:bodyPr>
-          <a:p>
-            <a:pPr indent="0">
-              <a:spcBef>
-                <a:spcPts val="1417"/>
-              </a:spcBef>
-              <a:buNone/>
-            </a:pPr>
-            <a:endParaRPr b="0" lang="en-US" sz="3200" spc="-1" strike="noStrike">
               <a:solidFill>
                 <a:srgbClr val="000000"/>
               </a:solidFill>
@@ -1992,4 +2773,110 @@
     </a:fmtScheme>
   </a:themeElements>
 </a:theme>
+</file>
+
+<file path=ppt/theme/theme2.xml><?xml version="1.0" encoding="utf-8"?>
+<a:theme xmlns:a="http://schemas.openxmlformats.org/drawingml/2006/main" xmlns:r="http://schemas.openxmlformats.org/officeDocument/2006/relationships" name="Office">
+  <a:themeElements>
+    <a:clrScheme name="LibreOffice">
+      <a:dk1>
+        <a:srgbClr val="000000"/>
+      </a:dk1>
+      <a:lt1>
+        <a:srgbClr val="ffffff"/>
+      </a:lt1>
+      <a:dk2>
+        <a:srgbClr val="000000"/>
+      </a:dk2>
+      <a:lt2>
+        <a:srgbClr val="ffffff"/>
+      </a:lt2>
+      <a:accent1>
+        <a:srgbClr val="18a303"/>
+      </a:accent1>
+      <a:accent2>
+        <a:srgbClr val="0369a3"/>
+      </a:accent2>
+      <a:accent3>
+        <a:srgbClr val="a33e03"/>
+      </a:accent3>
+      <a:accent4>
+        <a:srgbClr val="8e03a3"/>
+      </a:accent4>
+      <a:accent5>
+        <a:srgbClr val="c99c00"/>
+      </a:accent5>
+      <a:accent6>
+        <a:srgbClr val="c9211e"/>
+      </a:accent6>
+      <a:hlink>
+        <a:srgbClr val="0000ee"/>
+      </a:hlink>
+      <a:folHlink>
+        <a:srgbClr val="551a8b"/>
+      </a:folHlink>
+    </a:clrScheme>
+    <a:fontScheme name="Office">
+      <a:majorFont>
+        <a:latin typeface="Arial" pitchFamily="0" charset="1"/>
+        <a:ea typeface="DejaVu Sans" pitchFamily="0" charset="1"/>
+        <a:cs typeface="DejaVu Sans" pitchFamily="0" charset="1"/>
+      </a:majorFont>
+      <a:minorFont>
+        <a:latin typeface="Arial" pitchFamily="0" charset="1"/>
+        <a:ea typeface="DejaVu Sans" pitchFamily="0" charset="1"/>
+        <a:cs typeface="DejaVu Sans" pitchFamily="0" charset="1"/>
+      </a:minorFont>
+    </a:fontScheme>
+    <a:fmtScheme>
+      <a:fillStyleLst>
+        <a:solidFill>
+          <a:schemeClr val="phClr"/>
+        </a:solidFill>
+        <a:solidFill>
+          <a:schemeClr val="phClr"/>
+        </a:solidFill>
+        <a:solidFill>
+          <a:schemeClr val="phClr"/>
+        </a:solidFill>
+      </a:fillStyleLst>
+      <a:lnStyleLst>
+        <a:ln w="6350" cap="flat" cmpd="sng" algn="ctr">
+          <a:prstDash val="solid"/>
+          <a:miter/>
+        </a:ln>
+        <a:ln w="6350" cap="flat" cmpd="sng" algn="ctr">
+          <a:prstDash val="solid"/>
+          <a:miter/>
+        </a:ln>
+        <a:ln w="6350" cap="flat" cmpd="sng" algn="ctr">
+          <a:prstDash val="solid"/>
+          <a:miter/>
+        </a:ln>
+      </a:lnStyleLst>
+      <a:effectStyleLst>
+        <a:effectStyle>
+          <a:effectLst/>
+        </a:effectStyle>
+        <a:effectStyle>
+          <a:effectLst/>
+        </a:effectStyle>
+        <a:effectStyle>
+          <a:effectLst/>
+        </a:effectStyle>
+      </a:effectStyleLst>
+      <a:bgFillStyleLst>
+        <a:solidFill>
+          <a:schemeClr val="phClr"/>
+        </a:solidFill>
+        <a:solidFill>
+          <a:schemeClr val="phClr"/>
+        </a:solidFill>
+        <a:solidFill>
+          <a:schemeClr val="phClr"/>
+        </a:solidFill>
+      </a:bgFillStyleLst>
+    </a:fmtScheme>
+  </a:themeElements>
+</a:theme>
 </file>
--- a/docs/presentation.pptx
+++ b/docs/presentation.pptx
@@ -50,7 +50,7 @@
         <p:spPr>
           <a:xfrm>
             <a:off x="504000" y="226080"/>
-            <a:ext cx="9070920" cy="945720"/>
+            <a:ext cx="9070560" cy="945360"/>
           </a:xfrm>
           <a:prstGeom prst="rect">
             <a:avLst/>
@@ -90,7 +90,7 @@
         <p:spPr>
           <a:xfrm>
             <a:off x="504000" y="1326600"/>
-            <a:ext cx="9070920" cy="3287520"/>
+            <a:ext cx="9070560" cy="3287160"/>
           </a:xfrm>
           <a:prstGeom prst="rect">
             <a:avLst/>
@@ -154,7 +154,7 @@
         <p:txBody>
           <a:bodyPr/>
           <a:p>
-            <a:fld id="{FADFD661-81B6-431E-A9C9-2402DFDF0D89}" type="slidenum">
+            <a:fld id="{C17AD06A-80BF-4D4C-8638-F603837D179E}" type="slidenum">
               <a:t>&lt;#&gt;</a:t>
             </a:fld>
           </a:p>
@@ -216,7 +216,7 @@
         <p:spPr>
           <a:xfrm>
             <a:off x="504000" y="226080"/>
-            <a:ext cx="9070920" cy="945720"/>
+            <a:ext cx="9070560" cy="945360"/>
           </a:xfrm>
           <a:prstGeom prst="rect">
             <a:avLst/>
@@ -256,7 +256,7 @@
         <p:spPr>
           <a:xfrm>
             <a:off x="504000" y="1326600"/>
-            <a:ext cx="9070920" cy="3287520"/>
+            <a:ext cx="9070560" cy="3287160"/>
           </a:xfrm>
           <a:prstGeom prst="rect">
             <a:avLst/>
@@ -317,7 +317,7 @@
         <p:txBody>
           <a:bodyPr/>
           <a:p>
-            <a:fld id="{CB0B38B6-B187-49CB-84BC-31C0CE65C2C1}" type="slidenum">
+            <a:fld id="{5C796F1B-A4B6-415F-9F4E-77387F7926EF}" type="slidenum">
               <a:t>&lt;#&gt;</a:t>
             </a:fld>
           </a:p>
@@ -379,7 +379,7 @@
         <p:spPr>
           <a:xfrm>
             <a:off x="504000" y="226080"/>
-            <a:ext cx="9070920" cy="945720"/>
+            <a:ext cx="9070560" cy="945360"/>
           </a:xfrm>
           <a:prstGeom prst="rect">
             <a:avLst/>
@@ -428,7 +428,7 @@
         <p:spPr>
           <a:xfrm>
             <a:off x="504000" y="1326600"/>
-            <a:ext cx="9070920" cy="3287520"/>
+            <a:ext cx="9070560" cy="3287160"/>
           </a:xfrm>
           <a:prstGeom prst="rect">
             <a:avLst/>
@@ -653,7 +653,7 @@
         <p:spPr>
           <a:xfrm>
             <a:off x="3447360" y="5165280"/>
-            <a:ext cx="3194280" cy="389880"/>
+            <a:ext cx="3193920" cy="389520"/>
           </a:xfrm>
           <a:prstGeom prst="rect">
             <a:avLst/>
@@ -725,7 +725,7 @@
         <p:spPr>
           <a:xfrm>
             <a:off x="7227360" y="5165280"/>
-            <a:ext cx="2347560" cy="389880"/>
+            <a:ext cx="2347200" cy="389520"/>
           </a:xfrm>
           <a:prstGeom prst="rect">
             <a:avLst/>
@@ -766,7 +766,7 @@
                 <a:tab algn="l" pos="0"/>
               </a:tabLst>
             </a:pPr>
-            <a:fld id="{643CEDED-73FA-4DA5-842B-531AEF75A239}" type="slidenum">
+            <a:fld id="{7F1FF1AB-F0D0-494B-A058-B67E6E3CA2E5}" type="slidenum">
               <a:rPr b="0" lang="en-US" sz="1400" spc="-1" strike="noStrike">
                 <a:solidFill>
                   <a:srgbClr val="000000"/>
@@ -797,7 +797,7 @@
         <p:spPr>
           <a:xfrm>
             <a:off x="504000" y="5165280"/>
-            <a:ext cx="2347560" cy="389880"/>
+            <a:ext cx="2347200" cy="389520"/>
           </a:xfrm>
           <a:prstGeom prst="rect">
             <a:avLst/>
@@ -883,7 +883,7 @@
         <p:spPr>
           <a:xfrm>
             <a:off x="504000" y="226080"/>
-            <a:ext cx="9070920" cy="945720"/>
+            <a:ext cx="9070560" cy="945360"/>
           </a:xfrm>
           <a:prstGeom prst="rect">
             <a:avLst/>
@@ -932,7 +932,7 @@
         <p:spPr>
           <a:xfrm>
             <a:off x="3447360" y="5165280"/>
-            <a:ext cx="3194280" cy="389880"/>
+            <a:ext cx="3193920" cy="389520"/>
           </a:xfrm>
           <a:prstGeom prst="rect">
             <a:avLst/>
@@ -1004,7 +1004,7 @@
         <p:spPr>
           <a:xfrm>
             <a:off x="7227360" y="5165280"/>
-            <a:ext cx="2347560" cy="389880"/>
+            <a:ext cx="2347200" cy="389520"/>
           </a:xfrm>
           <a:prstGeom prst="rect">
             <a:avLst/>
@@ -1045,7 +1045,7 @@
                 <a:tab algn="l" pos="0"/>
               </a:tabLst>
             </a:pPr>
-            <a:fld id="{B07CB38A-273B-4D8D-92B8-4DF80CEFFB25}" type="slidenum">
+            <a:fld id="{AB35E70A-6796-4D50-B05E-D02A71917D83}" type="slidenum">
               <a:rPr b="0" lang="en-US" sz="1400" spc="-1" strike="noStrike">
                 <a:solidFill>
                   <a:srgbClr val="000000"/>
@@ -1076,7 +1076,7 @@
         <p:spPr>
           <a:xfrm>
             <a:off x="504000" y="5165280"/>
-            <a:ext cx="2347560" cy="389880"/>
+            <a:ext cx="2347200" cy="389520"/>
           </a:xfrm>
           <a:prstGeom prst="rect">
             <a:avLst/>
@@ -1387,7 +1387,7 @@
         <p:spPr>
           <a:xfrm>
             <a:off x="504000" y="226080"/>
-            <a:ext cx="9070920" cy="945720"/>
+            <a:ext cx="9070560" cy="945360"/>
           </a:xfrm>
           <a:prstGeom prst="rect">
             <a:avLst/>
@@ -1442,7 +1442,7 @@
         <p:spPr>
           <a:xfrm>
             <a:off x="504000" y="1326600"/>
-            <a:ext cx="9070920" cy="3287520"/>
+            <a:ext cx="9070560" cy="3287160"/>
           </a:xfrm>
           <a:prstGeom prst="rect">
             <a:avLst/>
@@ -1529,7 +1529,7 @@
         <p:spPr>
           <a:xfrm>
             <a:off x="504000" y="226080"/>
-            <a:ext cx="9070920" cy="945720"/>
+            <a:ext cx="9070560" cy="945360"/>
           </a:xfrm>
           <a:prstGeom prst="rect">
             <a:avLst/>
@@ -1584,7 +1584,7 @@
         <p:spPr>
           <a:xfrm>
             <a:off x="1371600" y="2057400"/>
-            <a:ext cx="7746120" cy="2101680"/>
+            <a:ext cx="7745760" cy="2101320"/>
           </a:xfrm>
           <a:prstGeom prst="rect">
             <a:avLst/>
@@ -1742,7 +1742,7 @@
         <p:spPr>
           <a:xfrm>
             <a:off x="504000" y="226080"/>
-            <a:ext cx="9070920" cy="945720"/>
+            <a:ext cx="9070560" cy="945360"/>
           </a:xfrm>
           <a:prstGeom prst="rect">
             <a:avLst/>
@@ -1797,7 +1797,7 @@
         <p:spPr>
           <a:xfrm>
             <a:off x="504000" y="1600200"/>
-            <a:ext cx="9070920" cy="2787840"/>
+            <a:ext cx="9070560" cy="2787480"/>
           </a:xfrm>
           <a:prstGeom prst="rect">
             <a:avLst/>
@@ -1901,7 +1901,7 @@
                 </a:solidFill>
                 <a:latin typeface="Arial"/>
               </a:rPr>
-              <a:t>Dapp aaply to each pool, a deadline,</a:t>
+              <a:t>Dapp apply to each pool, a deadline,</a:t>
             </a:r>
             <a:endParaRPr b="0" lang="en-US" sz="1800" spc="-1" strike="noStrike">
               <a:solidFill>
@@ -2021,7 +2021,7 @@
         <p:spPr>
           <a:xfrm>
             <a:off x="504000" y="226080"/>
-            <a:ext cx="9070920" cy="945720"/>
+            <a:ext cx="9070560" cy="945360"/>
           </a:xfrm>
           <a:prstGeom prst="rect">
             <a:avLst/>
@@ -2076,7 +2076,7 @@
         <p:spPr>
           <a:xfrm>
             <a:off x="457200" y="1371600"/>
-            <a:ext cx="8915400" cy="3853080"/>
+            <a:ext cx="8915040" cy="3852720"/>
           </a:xfrm>
           <a:prstGeom prst="rect">
             <a:avLst/>
@@ -2129,7 +2129,7 @@
         <p:spPr>
           <a:xfrm>
             <a:off x="504000" y="226080"/>
-            <a:ext cx="9070920" cy="945720"/>
+            <a:ext cx="9070560" cy="945360"/>
           </a:xfrm>
           <a:prstGeom prst="rect">
             <a:avLst/>
@@ -2184,7 +2184,7 @@
         <p:spPr>
           <a:xfrm>
             <a:off x="504000" y="1326600"/>
-            <a:ext cx="9070920" cy="3287520"/>
+            <a:ext cx="9070560" cy="3287160"/>
           </a:xfrm>
           <a:prstGeom prst="rect">
             <a:avLst/>
@@ -2199,7 +2199,7 @@
             <a:normAutofit/>
           </a:bodyPr>
           <a:p>
-            <a:pPr indent="-324000">
+            <a:pPr marL="432000" indent="-324000">
               <a:lnSpc>
                 <a:spcPct val="100000"/>
               </a:lnSpc>
@@ -2332,7 +2332,7 @@
         <p:spPr>
           <a:xfrm>
             <a:off x="457200" y="228600"/>
-            <a:ext cx="9070920" cy="945720"/>
+            <a:ext cx="9070560" cy="945360"/>
           </a:xfrm>
           <a:prstGeom prst="rect">
             <a:avLst/>
@@ -2387,7 +2387,7 @@
         <p:spPr>
           <a:xfrm>
             <a:off x="504000" y="1326600"/>
-            <a:ext cx="9070920" cy="3287520"/>
+            <a:ext cx="9070560" cy="3287160"/>
           </a:xfrm>
           <a:prstGeom prst="rect">
             <a:avLst/>
@@ -2473,7 +2473,7 @@
         <p:spPr>
           <a:xfrm>
             <a:off x="504000" y="226080"/>
-            <a:ext cx="9070920" cy="945720"/>
+            <a:ext cx="9070560" cy="945360"/>
           </a:xfrm>
           <a:prstGeom prst="rect">
             <a:avLst/>
@@ -2528,7 +2528,7 @@
         <p:spPr>
           <a:xfrm>
             <a:off x="504000" y="1326600"/>
-            <a:ext cx="9070920" cy="3287520"/>
+            <a:ext cx="9070560" cy="3287160"/>
           </a:xfrm>
           <a:prstGeom prst="rect">
             <a:avLst/>
@@ -2614,7 +2614,7 @@
         <p:spPr>
           <a:xfrm>
             <a:off x="504000" y="226080"/>
-            <a:ext cx="9070920" cy="945720"/>
+            <a:ext cx="9070560" cy="945360"/>
           </a:xfrm>
           <a:prstGeom prst="rect">
             <a:avLst/>
